--- a/figure-assembly/figure-1-components/figure_1_panel_optimal_allocation.pptx
+++ b/figure-assembly/figure-1-components/figure_1_panel_optimal_allocation.pptx
@@ -259,7 +259,7 @@
           <a:p>
             <a:fld id="{3D0D4C98-D5D6-1C45-B38F-9D83B19E74F8}" type="datetimeFigureOut">
               <a:rPr lang="en-US" smtClean="0"/>
-              <a:t>9/18/18</a:t>
+              <a:t>3/1/19</a:t>
             </a:fld>
             <a:endParaRPr lang="en-US"/>
           </a:p>
@@ -457,7 +457,7 @@
           <a:p>
             <a:fld id="{3D0D4C98-D5D6-1C45-B38F-9D83B19E74F8}" type="datetimeFigureOut">
               <a:rPr lang="en-US" smtClean="0"/>
-              <a:t>9/18/18</a:t>
+              <a:t>3/1/19</a:t>
             </a:fld>
             <a:endParaRPr lang="en-US"/>
           </a:p>
@@ -665,7 +665,7 @@
           <a:p>
             <a:fld id="{3D0D4C98-D5D6-1C45-B38F-9D83B19E74F8}" type="datetimeFigureOut">
               <a:rPr lang="en-US" smtClean="0"/>
-              <a:t>9/18/18</a:t>
+              <a:t>3/1/19</a:t>
             </a:fld>
             <a:endParaRPr lang="en-US"/>
           </a:p>
@@ -863,7 +863,7 @@
           <a:p>
             <a:fld id="{3D0D4C98-D5D6-1C45-B38F-9D83B19E74F8}" type="datetimeFigureOut">
               <a:rPr lang="en-US" smtClean="0"/>
-              <a:t>9/18/18</a:t>
+              <a:t>3/1/19</a:t>
             </a:fld>
             <a:endParaRPr lang="en-US"/>
           </a:p>
@@ -1138,7 +1138,7 @@
           <a:p>
             <a:fld id="{3D0D4C98-D5D6-1C45-B38F-9D83B19E74F8}" type="datetimeFigureOut">
               <a:rPr lang="en-US" smtClean="0"/>
-              <a:t>9/18/18</a:t>
+              <a:t>3/1/19</a:t>
             </a:fld>
             <a:endParaRPr lang="en-US"/>
           </a:p>
@@ -1403,7 +1403,7 @@
           <a:p>
             <a:fld id="{3D0D4C98-D5D6-1C45-B38F-9D83B19E74F8}" type="datetimeFigureOut">
               <a:rPr lang="en-US" smtClean="0"/>
-              <a:t>9/18/18</a:t>
+              <a:t>3/1/19</a:t>
             </a:fld>
             <a:endParaRPr lang="en-US"/>
           </a:p>
@@ -1815,7 +1815,7 @@
           <a:p>
             <a:fld id="{3D0D4C98-D5D6-1C45-B38F-9D83B19E74F8}" type="datetimeFigureOut">
               <a:rPr lang="en-US" smtClean="0"/>
-              <a:t>9/18/18</a:t>
+              <a:t>3/1/19</a:t>
             </a:fld>
             <a:endParaRPr lang="en-US"/>
           </a:p>
@@ -1956,7 +1956,7 @@
           <a:p>
             <a:fld id="{3D0D4C98-D5D6-1C45-B38F-9D83B19E74F8}" type="datetimeFigureOut">
               <a:rPr lang="en-US" smtClean="0"/>
-              <a:t>9/18/18</a:t>
+              <a:t>3/1/19</a:t>
             </a:fld>
             <a:endParaRPr lang="en-US"/>
           </a:p>
@@ -2069,7 +2069,7 @@
           <a:p>
             <a:fld id="{3D0D4C98-D5D6-1C45-B38F-9D83B19E74F8}" type="datetimeFigureOut">
               <a:rPr lang="en-US" smtClean="0"/>
-              <a:t>9/18/18</a:t>
+              <a:t>3/1/19</a:t>
             </a:fld>
             <a:endParaRPr lang="en-US"/>
           </a:p>
@@ -2380,7 +2380,7 @@
           <a:p>
             <a:fld id="{3D0D4C98-D5D6-1C45-B38F-9D83B19E74F8}" type="datetimeFigureOut">
               <a:rPr lang="en-US" smtClean="0"/>
-              <a:t>9/18/18</a:t>
+              <a:t>3/1/19</a:t>
             </a:fld>
             <a:endParaRPr lang="en-US"/>
           </a:p>
@@ -2668,7 +2668,7 @@
           <a:p>
             <a:fld id="{3D0D4C98-D5D6-1C45-B38F-9D83B19E74F8}" type="datetimeFigureOut">
               <a:rPr lang="en-US" smtClean="0"/>
-              <a:t>9/18/18</a:t>
+              <a:t>3/1/19</a:t>
             </a:fld>
             <a:endParaRPr lang="en-US"/>
           </a:p>
@@ -2909,7 +2909,7 @@
           <a:p>
             <a:fld id="{3D0D4C98-D5D6-1C45-B38F-9D83B19E74F8}" type="datetimeFigureOut">
               <a:rPr lang="en-US" smtClean="0"/>
-              <a:t>9/18/18</a:t>
+              <a:t>3/1/19</a:t>
             </a:fld>
             <a:endParaRPr lang="en-US"/>
           </a:p>
@@ -3379,6 +3379,8 @@
                 <a:solidFill>
                   <a:schemeClr val="tx1"/>
                 </a:solidFill>
+                <a:latin typeface="Arial" panose="020B0604020202020204" pitchFamily="34" charset="0"/>
+                <a:cs typeface="Arial" panose="020B0604020202020204" pitchFamily="34" charset="0"/>
               </a:rPr>
               <a:t>f</a:t>
             </a:r>
@@ -3387,6 +3389,8 @@
                 <a:solidFill>
                   <a:schemeClr val="tx1"/>
                 </a:solidFill>
+                <a:latin typeface="Arial" panose="020B0604020202020204" pitchFamily="34" charset="0"/>
+                <a:cs typeface="Arial" panose="020B0604020202020204" pitchFamily="34" charset="0"/>
               </a:rPr>
               <a:t>Q</a:t>
             </a:r>
@@ -3394,6 +3398,8 @@
               <a:solidFill>
                 <a:schemeClr val="tx1"/>
               </a:solidFill>
+              <a:latin typeface="Arial" panose="020B0604020202020204" pitchFamily="34" charset="0"/>
+              <a:cs typeface="Arial" panose="020B0604020202020204" pitchFamily="34" charset="0"/>
             </a:endParaRPr>
           </a:p>
         </p:txBody>
@@ -3449,6 +3455,8 @@
                 <a:solidFill>
                   <a:schemeClr val="tx1"/>
                 </a:solidFill>
+                <a:latin typeface="Arial" panose="020B0604020202020204" pitchFamily="34" charset="0"/>
+                <a:cs typeface="Arial" panose="020B0604020202020204" pitchFamily="34" charset="0"/>
               </a:rPr>
               <a:t>1-f</a:t>
             </a:r>
@@ -3457,6 +3465,8 @@
                 <a:solidFill>
                   <a:schemeClr val="tx1"/>
                 </a:solidFill>
+                <a:latin typeface="Arial" panose="020B0604020202020204" pitchFamily="34" charset="0"/>
+                <a:cs typeface="Arial" panose="020B0604020202020204" pitchFamily="34" charset="0"/>
               </a:rPr>
               <a:t>Q</a:t>
             </a:r>
@@ -3465,6 +3475,8 @@
                 <a:solidFill>
                   <a:schemeClr val="tx1"/>
                 </a:solidFill>
+                <a:latin typeface="Arial" panose="020B0604020202020204" pitchFamily="34" charset="0"/>
+                <a:cs typeface="Arial" panose="020B0604020202020204" pitchFamily="34" charset="0"/>
               </a:rPr>
               <a:t>-f</a:t>
             </a:r>
@@ -3473,6 +3485,8 @@
                 <a:solidFill>
                   <a:schemeClr val="tx1"/>
                 </a:solidFill>
+                <a:latin typeface="Arial" panose="020B0604020202020204" pitchFamily="34" charset="0"/>
+                <a:cs typeface="Arial" panose="020B0604020202020204" pitchFamily="34" charset="0"/>
               </a:rPr>
               <a:t>X</a:t>
             </a:r>
@@ -3481,6 +3495,8 @@
                 <a:solidFill>
                   <a:schemeClr val="tx1"/>
                 </a:solidFill>
+                <a:latin typeface="Arial" panose="020B0604020202020204" pitchFamily="34" charset="0"/>
+                <a:cs typeface="Arial" panose="020B0604020202020204" pitchFamily="34" charset="0"/>
               </a:rPr>
               <a:t> ~ 1-f</a:t>
             </a:r>
@@ -3489,6 +3505,8 @@
                 <a:solidFill>
                   <a:schemeClr val="tx1"/>
                 </a:solidFill>
+                <a:latin typeface="Arial" panose="020B0604020202020204" pitchFamily="34" charset="0"/>
+                <a:cs typeface="Arial" panose="020B0604020202020204" pitchFamily="34" charset="0"/>
               </a:rPr>
               <a:t>Q</a:t>
             </a:r>
@@ -3548,6 +3566,8 @@
                 <a:solidFill>
                   <a:schemeClr val="tx1"/>
                 </a:solidFill>
+                <a:latin typeface="Arial" panose="020B0604020202020204" pitchFamily="34" charset="0"/>
+                <a:cs typeface="Arial" panose="020B0604020202020204" pitchFamily="34" charset="0"/>
               </a:rPr>
               <a:t>f</a:t>
             </a:r>
@@ -3556,6 +3576,8 @@
                 <a:solidFill>
                   <a:schemeClr val="tx1"/>
                 </a:solidFill>
+                <a:latin typeface="Arial" panose="020B0604020202020204" pitchFamily="34" charset="0"/>
+                <a:cs typeface="Arial" panose="020B0604020202020204" pitchFamily="34" charset="0"/>
               </a:rPr>
               <a:t>X</a:t>
             </a:r>
@@ -3564,6 +3586,8 @@
                 <a:solidFill>
                   <a:schemeClr val="tx1"/>
                 </a:solidFill>
+                <a:latin typeface="Arial" panose="020B0604020202020204" pitchFamily="34" charset="0"/>
+                <a:cs typeface="Arial" panose="020B0604020202020204" pitchFamily="34" charset="0"/>
               </a:rPr>
               <a:t> </a:t>
             </a:r>
@@ -3572,6 +3596,8 @@
                 <a:solidFill>
                   <a:schemeClr val="tx1"/>
                 </a:solidFill>
+                <a:latin typeface="Arial" panose="020B0604020202020204" pitchFamily="34" charset="0"/>
+                <a:cs typeface="Arial" panose="020B0604020202020204" pitchFamily="34" charset="0"/>
               </a:rPr>
               <a:t>&lt;&lt; 1</a:t>
             </a:r>
@@ -3630,6 +3656,8 @@
                 <a:solidFill>
                   <a:schemeClr val="tx1"/>
                 </a:solidFill>
+                <a:latin typeface="Arial" panose="020B0604020202020204" pitchFamily="34" charset="0"/>
+                <a:cs typeface="Arial" panose="020B0604020202020204" pitchFamily="34" charset="0"/>
               </a:rPr>
               <a:t>f</a:t>
             </a:r>
@@ -3638,6 +3666,8 @@
                 <a:solidFill>
                   <a:schemeClr val="tx1"/>
                 </a:solidFill>
+                <a:latin typeface="Arial" panose="020B0604020202020204" pitchFamily="34" charset="0"/>
+                <a:cs typeface="Arial" panose="020B0604020202020204" pitchFamily="34" charset="0"/>
               </a:rPr>
               <a:t>R</a:t>
             </a:r>
@@ -3645,6 +3675,8 @@
               <a:solidFill>
                 <a:schemeClr val="tx1"/>
               </a:solidFill>
+              <a:latin typeface="Arial" panose="020B0604020202020204" pitchFamily="34" charset="0"/>
+              <a:cs typeface="Arial" panose="020B0604020202020204" pitchFamily="34" charset="0"/>
             </a:endParaRPr>
           </a:p>
         </p:txBody>
@@ -3704,6 +3736,8 @@
                 <a:solidFill>
                   <a:schemeClr val="tx1"/>
                 </a:solidFill>
+                <a:latin typeface="Arial" panose="020B0604020202020204" pitchFamily="34" charset="0"/>
+                <a:cs typeface="Arial" panose="020B0604020202020204" pitchFamily="34" charset="0"/>
               </a:rPr>
               <a:t>f</a:t>
             </a:r>
@@ -3712,6 +3746,8 @@
                 <a:solidFill>
                   <a:schemeClr val="tx1"/>
                 </a:solidFill>
+                <a:latin typeface="Arial" panose="020B0604020202020204" pitchFamily="34" charset="0"/>
+                <a:cs typeface="Arial" panose="020B0604020202020204" pitchFamily="34" charset="0"/>
               </a:rPr>
               <a:t>E</a:t>
             </a:r>
@@ -3719,6 +3755,8 @@
               <a:solidFill>
                 <a:schemeClr val="tx1"/>
               </a:solidFill>
+              <a:latin typeface="Arial" panose="020B0604020202020204" pitchFamily="34" charset="0"/>
+              <a:cs typeface="Arial" panose="020B0604020202020204" pitchFamily="34" charset="0"/>
             </a:endParaRPr>
           </a:p>
         </p:txBody>
@@ -3753,14 +3791,20 @@
           <a:p>
             <a:pPr algn="ctr"/>
             <a:r>
-              <a:rPr lang="en-US" sz="1400" dirty="0"/>
+              <a:rPr lang="en-US" sz="1400" dirty="0">
+                <a:latin typeface="Arial" panose="020B0604020202020204" pitchFamily="34" charset="0"/>
+                <a:cs typeface="Arial" panose="020B0604020202020204" pitchFamily="34" charset="0"/>
+              </a:rPr>
               <a:t>Regulated such that </a:t>
             </a:r>
           </a:p>
           <a:p>
             <a:pPr algn="ctr"/>
             <a:r>
-              <a:rPr lang="en-US" sz="1400" dirty="0"/>
+              <a:rPr lang="en-US" sz="1400" dirty="0">
+                <a:latin typeface="Arial" panose="020B0604020202020204" pitchFamily="34" charset="0"/>
+                <a:cs typeface="Arial" panose="020B0604020202020204" pitchFamily="34" charset="0"/>
+              </a:rPr>
               <a:t>concentration q is constant</a:t>
             </a:r>
           </a:p>
@@ -3796,14 +3840,20 @@
           <a:p>
             <a:pPr algn="ctr"/>
             <a:r>
-              <a:rPr lang="en-US" sz="1400" dirty="0"/>
+              <a:rPr lang="en-US" sz="1400" dirty="0">
+                <a:latin typeface="Arial" panose="020B0604020202020204" pitchFamily="34" charset="0"/>
+                <a:cs typeface="Arial" panose="020B0604020202020204" pitchFamily="34" charset="0"/>
+              </a:rPr>
               <a:t>Optimally allocated to </a:t>
             </a:r>
           </a:p>
           <a:p>
             <a:pPr algn="ctr"/>
             <a:r>
-              <a:rPr lang="en-US" sz="1400" dirty="0"/>
+              <a:rPr lang="en-US" sz="1400" dirty="0">
+                <a:latin typeface="Arial" panose="020B0604020202020204" pitchFamily="34" charset="0"/>
+                <a:cs typeface="Arial" panose="020B0604020202020204" pitchFamily="34" charset="0"/>
+              </a:rPr>
               <a:t>maximize growth rate</a:t>
             </a:r>
           </a:p>
@@ -3839,7 +3889,10 @@
           <a:p>
             <a:pPr algn="ctr"/>
             <a:r>
-              <a:rPr lang="en-US" sz="1400" dirty="0"/>
+              <a:rPr lang="en-US" sz="1400" dirty="0">
+                <a:latin typeface="Arial" panose="020B0604020202020204" pitchFamily="34" charset="0"/>
+                <a:cs typeface="Arial" panose="020B0604020202020204" pitchFamily="34" charset="0"/>
+              </a:rPr>
               <a:t>Small allocation fraction</a:t>
             </a:r>
           </a:p>
@@ -3893,7 +3946,10 @@
           <a:lstStyle/>
           <a:p>
             <a:pPr algn="ctr"/>
-            <a:endParaRPr lang="en-US"/>
+            <a:endParaRPr lang="en-US">
+              <a:latin typeface="Arial" panose="020B0604020202020204" pitchFamily="34" charset="0"/>
+              <a:cs typeface="Arial" panose="020B0604020202020204" pitchFamily="34" charset="0"/>
+            </a:endParaRPr>
           </a:p>
         </p:txBody>
       </p:sp>
@@ -3929,14 +3985,20 @@
               <a:p>
                 <a:pPr algn="ctr"/>
                 <a:r>
-                  <a:rPr lang="en-US" sz="1400" dirty="0"/>
+                  <a:rPr lang="en-US" sz="1400" dirty="0">
+                    <a:latin typeface="Arial" panose="020B0604020202020204" pitchFamily="34" charset="0"/>
+                    <a:cs typeface="Arial" panose="020B0604020202020204" pitchFamily="34" charset="0"/>
+                  </a:rPr>
                   <a:t>Total synthesis capacity</a:t>
                 </a:r>
               </a:p>
               <a:p>
                 <a:pPr algn="ctr"/>
                 <a:r>
-                  <a:rPr lang="en-US" sz="1400" dirty="0"/>
+                  <a:rPr lang="en-US" sz="1400" dirty="0">
+                    <a:latin typeface="Arial" panose="020B0604020202020204" pitchFamily="34" charset="0"/>
+                    <a:cs typeface="Arial" panose="020B0604020202020204" pitchFamily="34" charset="0"/>
+                  </a:rPr>
                   <a:t>=</a:t>
                 </a:r>
               </a:p>
@@ -4049,7 +4111,10 @@
                     </m:oMath>
                   </m:oMathPara>
                 </a14:m>
-                <a:endParaRPr lang="en-US" sz="1400" dirty="0"/>
+                <a:endParaRPr lang="en-US" sz="1400" dirty="0">
+                  <a:latin typeface="Arial" panose="020B0604020202020204" pitchFamily="34" charset="0"/>
+                  <a:cs typeface="Arial" panose="020B0604020202020204" pitchFamily="34" charset="0"/>
+                </a:endParaRPr>
               </a:p>
             </p:txBody>
           </p:sp>
